--- a/STM32 Intro.pptx
+++ b/STM32 Intro.pptx
@@ -11,6 +11,9 @@
     <p:sldId id="259" r:id="rId5"/>
     <p:sldId id="260" r:id="rId6"/>
     <p:sldId id="261" r:id="rId7"/>
+    <p:sldId id="262" r:id="rId8"/>
+    <p:sldId id="263" r:id="rId9"/>
+    <p:sldId id="264" r:id="rId10"/>
   </p:sldIdLst>
   <p:sldSz cx="12192000" cy="6858000"/>
   <p:notesSz cx="6858000" cy="9144000"/>
@@ -109,6 +112,11 @@
       </a:defRPr>
     </a:lvl9pPr>
   </p:defaultTextStyle>
+  <p:extLst>
+    <p:ext uri="{EFAFB233-063F-42B5-8137-9DF3F51BA10A}">
+      <p15:sldGuideLst xmlns:p15="http://schemas.microsoft.com/office/powerpoint/2012/main"/>
+    </p:ext>
+  </p:extLst>
 </p:presentation>
 </file>
 
@@ -282,7 +290,7 @@
           <a:p>
             <a:fld id="{48A87A34-81AB-432B-8DAE-1953F412C126}" type="datetimeFigureOut">
               <a:rPr lang="en-US" dirty="0"/>
-              <a:t>1/28/2021</a:t>
+              <a:t>1/29/2021</a:t>
             </a:fld>
             <a:endParaRPr lang="en-US" dirty="0"/>
           </a:p>
@@ -544,7 +552,7 @@
           <a:p>
             <a:fld id="{48A87A34-81AB-432B-8DAE-1953F412C126}" type="datetimeFigureOut">
               <a:rPr lang="en-US" dirty="0"/>
-              <a:t>1/28/2021</a:t>
+              <a:t>1/29/2021</a:t>
             </a:fld>
             <a:endParaRPr lang="en-US" dirty="0"/>
           </a:p>
@@ -771,7 +779,7 @@
             <a:fld id="{48A87A34-81AB-432B-8DAE-1953F412C126}" type="datetimeFigureOut">
               <a:rPr lang="en-US" dirty="0"/>
               <a:pPr/>
-              <a:t>1/28/2021</a:t>
+              <a:t>1/29/2021</a:t>
             </a:fld>
             <a:endParaRPr lang="en-US" dirty="0"/>
           </a:p>
@@ -1077,7 +1085,7 @@
             <a:fld id="{48A87A34-81AB-432B-8DAE-1953F412C126}" type="datetimeFigureOut">
               <a:rPr lang="en-US" dirty="0"/>
               <a:pPr/>
-              <a:t>1/28/2021</a:t>
+              <a:t>1/29/2021</a:t>
             </a:fld>
             <a:endParaRPr lang="en-US" dirty="0"/>
           </a:p>
@@ -1546,7 +1554,7 @@
             <a:fld id="{48A87A34-81AB-432B-8DAE-1953F412C126}" type="datetimeFigureOut">
               <a:rPr lang="en-US" dirty="0"/>
               <a:pPr/>
-              <a:t>1/28/2021</a:t>
+              <a:t>1/29/2021</a:t>
             </a:fld>
             <a:endParaRPr lang="en-US" dirty="0"/>
           </a:p>
@@ -2088,7 +2096,7 @@
           <a:p>
             <a:fld id="{48A87A34-81AB-432B-8DAE-1953F412C126}" type="datetimeFigureOut">
               <a:rPr lang="en-US" dirty="0"/>
-              <a:t>1/28/2021</a:t>
+              <a:t>1/29/2021</a:t>
             </a:fld>
             <a:endParaRPr lang="en-US" dirty="0"/>
           </a:p>
@@ -2857,7 +2865,7 @@
           <a:p>
             <a:fld id="{48A87A34-81AB-432B-8DAE-1953F412C126}" type="datetimeFigureOut">
               <a:rPr lang="en-US" dirty="0"/>
-              <a:t>1/28/2021</a:t>
+              <a:t>1/29/2021</a:t>
             </a:fld>
             <a:endParaRPr lang="en-US" dirty="0"/>
           </a:p>
@@ -3027,7 +3035,7 @@
           <a:p>
             <a:fld id="{48A87A34-81AB-432B-8DAE-1953F412C126}" type="datetimeFigureOut">
               <a:rPr lang="en-US" dirty="0"/>
-              <a:t>1/28/2021</a:t>
+              <a:t>1/29/2021</a:t>
             </a:fld>
             <a:endParaRPr lang="en-US" dirty="0"/>
           </a:p>
@@ -3246,7 +3254,7 @@
             <a:fld id="{48A87A34-81AB-432B-8DAE-1953F412C126}" type="datetimeFigureOut">
               <a:rPr lang="en-US" dirty="0"/>
               <a:pPr/>
-              <a:t>1/28/2021</a:t>
+              <a:t>1/29/2021</a:t>
             </a:fld>
             <a:endParaRPr lang="en-US" dirty="0"/>
           </a:p>
@@ -3421,7 +3429,7 @@
           <a:p>
             <a:fld id="{48A87A34-81AB-432B-8DAE-1953F412C126}" type="datetimeFigureOut">
               <a:rPr lang="en-US" dirty="0"/>
-              <a:t>1/28/2021</a:t>
+              <a:t>1/29/2021</a:t>
             </a:fld>
             <a:endParaRPr lang="en-US" dirty="0"/>
           </a:p>
@@ -3706,7 +3714,7 @@
             <a:fld id="{48A87A34-81AB-432B-8DAE-1953F412C126}" type="datetimeFigureOut">
               <a:rPr lang="en-US" dirty="0"/>
               <a:pPr/>
-              <a:t>1/28/2021</a:t>
+              <a:t>1/29/2021</a:t>
             </a:fld>
             <a:endParaRPr lang="en-US" dirty="0"/>
           </a:p>
@@ -3943,7 +3951,7 @@
           <a:p>
             <a:fld id="{48A87A34-81AB-432B-8DAE-1953F412C126}" type="datetimeFigureOut">
               <a:rPr lang="en-US" dirty="0"/>
-              <a:t>1/28/2021</a:t>
+              <a:t>1/29/2021</a:t>
             </a:fld>
             <a:endParaRPr lang="en-US" dirty="0"/>
           </a:p>
@@ -4317,7 +4325,7 @@
           <a:p>
             <a:fld id="{48A87A34-81AB-432B-8DAE-1953F412C126}" type="datetimeFigureOut">
               <a:rPr lang="en-US" dirty="0"/>
-              <a:t>1/28/2021</a:t>
+              <a:t>1/29/2021</a:t>
             </a:fld>
             <a:endParaRPr lang="en-US" dirty="0"/>
           </a:p>
@@ -4430,7 +4438,7 @@
           <a:p>
             <a:fld id="{48A87A34-81AB-432B-8DAE-1953F412C126}" type="datetimeFigureOut">
               <a:rPr lang="en-US" dirty="0"/>
-              <a:t>1/28/2021</a:t>
+              <a:t>1/29/2021</a:t>
             </a:fld>
             <a:endParaRPr lang="en-US" dirty="0"/>
           </a:p>
@@ -4520,7 +4528,7 @@
           <a:p>
             <a:fld id="{48A87A34-81AB-432B-8DAE-1953F412C126}" type="datetimeFigureOut">
               <a:rPr lang="en-US" dirty="0"/>
-              <a:t>1/28/2021</a:t>
+              <a:t>1/29/2021</a:t>
             </a:fld>
             <a:endParaRPr lang="en-US" dirty="0"/>
           </a:p>
@@ -4764,7 +4772,7 @@
           <a:p>
             <a:fld id="{48A87A34-81AB-432B-8DAE-1953F412C126}" type="datetimeFigureOut">
               <a:rPr lang="en-US" dirty="0"/>
-              <a:t>1/28/2021</a:t>
+              <a:t>1/29/2021</a:t>
             </a:fld>
             <a:endParaRPr lang="en-US" dirty="0"/>
           </a:p>
@@ -5016,7 +5024,7 @@
           <a:p>
             <a:fld id="{48A87A34-81AB-432B-8DAE-1953F412C126}" type="datetimeFigureOut">
               <a:rPr lang="en-US" dirty="0"/>
-              <a:t>1/28/2021</a:t>
+              <a:t>1/29/2021</a:t>
             </a:fld>
             <a:endParaRPr lang="en-US" dirty="0"/>
           </a:p>
@@ -5255,7 +5263,7 @@
             <a:fld id="{48A87A34-81AB-432B-8DAE-1953F412C126}" type="datetimeFigureOut">
               <a:rPr lang="en-US" dirty="0"/>
               <a:pPr/>
-              <a:t>1/28/2021</a:t>
+              <a:t>1/29/2021</a:t>
             </a:fld>
             <a:endParaRPr lang="en-US" dirty="0"/>
           </a:p>
@@ -6295,6 +6303,258 @@
 </p:sld>
 </file>
 
+<file path=ppt/slides/slide7.xml><?xml version="1.0" encoding="utf-8"?>
+<p:sld xmlns:a="http://schemas.openxmlformats.org/drawingml/2006/main" xmlns:r="http://schemas.openxmlformats.org/officeDocument/2006/relationships" xmlns:p="http://schemas.openxmlformats.org/presentationml/2006/main">
+  <p:cSld>
+    <p:spTree>
+      <p:nvGrpSpPr>
+        <p:cNvPr id="1" name=""/>
+        <p:cNvGrpSpPr/>
+        <p:nvPr/>
+      </p:nvGrpSpPr>
+      <p:grpSpPr>
+        <a:xfrm>
+          <a:off x="0" y="0"/>
+          <a:ext cx="0" cy="0"/>
+          <a:chOff x="0" y="0"/>
+          <a:chExt cx="0" cy="0"/>
+        </a:xfrm>
+      </p:grpSpPr>
+      <p:sp>
+        <p:nvSpPr>
+          <p:cNvPr id="2" name="Titel 1">
+            <a:extLst>
+              <a:ext uri="{FF2B5EF4-FFF2-40B4-BE49-F238E27FC236}">
+                <a16:creationId xmlns:a16="http://schemas.microsoft.com/office/drawing/2014/main" id="{FFE92F5A-963E-4C3F-A24B-78E5C1D552AE}"/>
+              </a:ext>
+            </a:extLst>
+          </p:cNvPr>
+          <p:cNvSpPr>
+            <a:spLocks noGrp="1"/>
+          </p:cNvSpPr>
+          <p:nvPr>
+            <p:ph type="title"/>
+          </p:nvPr>
+        </p:nvSpPr>
+        <p:spPr/>
+        <p:txBody>
+          <a:bodyPr/>
+          <a:lstStyle/>
+          <a:p>
+            <a:r>
+              <a:rPr lang="en-GB" dirty="0"/>
+              <a:t>Timer</a:t>
+            </a:r>
+            <a:endParaRPr lang="LID4096" dirty="0"/>
+          </a:p>
+        </p:txBody>
+      </p:sp>
+      <p:sp>
+        <p:nvSpPr>
+          <p:cNvPr id="3" name="Pladsholder til indhold 2">
+            <a:extLst>
+              <a:ext uri="{FF2B5EF4-FFF2-40B4-BE49-F238E27FC236}">
+                <a16:creationId xmlns:a16="http://schemas.microsoft.com/office/drawing/2014/main" id="{70039F2C-8CCB-476E-BEE4-59D2963A66D0}"/>
+              </a:ext>
+            </a:extLst>
+          </p:cNvPr>
+          <p:cNvSpPr>
+            <a:spLocks noGrp="1"/>
+          </p:cNvSpPr>
+          <p:nvPr>
+            <p:ph idx="1"/>
+          </p:nvPr>
+        </p:nvSpPr>
+        <p:spPr/>
+        <p:txBody>
+          <a:bodyPr/>
+          <a:lstStyle/>
+          <a:p>
+            <a:endParaRPr lang="LID4096"/>
+          </a:p>
+        </p:txBody>
+      </p:sp>
+    </p:spTree>
+    <p:extLst>
+      <p:ext uri="{BB962C8B-B14F-4D97-AF65-F5344CB8AC3E}">
+        <p14:creationId xmlns:p14="http://schemas.microsoft.com/office/powerpoint/2010/main" val="2215432062"/>
+      </p:ext>
+    </p:extLst>
+  </p:cSld>
+  <p:clrMapOvr>
+    <a:masterClrMapping/>
+  </p:clrMapOvr>
+</p:sld>
+</file>
+
+<file path=ppt/slides/slide8.xml><?xml version="1.0" encoding="utf-8"?>
+<p:sld xmlns:a="http://schemas.openxmlformats.org/drawingml/2006/main" xmlns:r="http://schemas.openxmlformats.org/officeDocument/2006/relationships" xmlns:p="http://schemas.openxmlformats.org/presentationml/2006/main">
+  <p:cSld>
+    <p:spTree>
+      <p:nvGrpSpPr>
+        <p:cNvPr id="1" name=""/>
+        <p:cNvGrpSpPr/>
+        <p:nvPr/>
+      </p:nvGrpSpPr>
+      <p:grpSpPr>
+        <a:xfrm>
+          <a:off x="0" y="0"/>
+          <a:ext cx="0" cy="0"/>
+          <a:chOff x="0" y="0"/>
+          <a:chExt cx="0" cy="0"/>
+        </a:xfrm>
+      </p:grpSpPr>
+      <p:sp>
+        <p:nvSpPr>
+          <p:cNvPr id="2" name="Titel 1">
+            <a:extLst>
+              <a:ext uri="{FF2B5EF4-FFF2-40B4-BE49-F238E27FC236}">
+                <a16:creationId xmlns:a16="http://schemas.microsoft.com/office/drawing/2014/main" id="{962C0226-CE03-4192-B243-5014F08CCA6E}"/>
+              </a:ext>
+            </a:extLst>
+          </p:cNvPr>
+          <p:cNvSpPr>
+            <a:spLocks noGrp="1"/>
+          </p:cNvSpPr>
+          <p:nvPr>
+            <p:ph type="title"/>
+          </p:nvPr>
+        </p:nvSpPr>
+        <p:spPr/>
+        <p:txBody>
+          <a:bodyPr/>
+          <a:lstStyle/>
+          <a:p>
+            <a:r>
+              <a:rPr lang="en-GB" dirty="0"/>
+              <a:t>ADC</a:t>
+            </a:r>
+            <a:endParaRPr lang="LID4096" dirty="0"/>
+          </a:p>
+        </p:txBody>
+      </p:sp>
+      <p:sp>
+        <p:nvSpPr>
+          <p:cNvPr id="3" name="Pladsholder til indhold 2">
+            <a:extLst>
+              <a:ext uri="{FF2B5EF4-FFF2-40B4-BE49-F238E27FC236}">
+                <a16:creationId xmlns:a16="http://schemas.microsoft.com/office/drawing/2014/main" id="{A76943DD-97CE-4671-8D9A-4096DC862FB3}"/>
+              </a:ext>
+            </a:extLst>
+          </p:cNvPr>
+          <p:cNvSpPr>
+            <a:spLocks noGrp="1"/>
+          </p:cNvSpPr>
+          <p:nvPr>
+            <p:ph idx="1"/>
+          </p:nvPr>
+        </p:nvSpPr>
+        <p:spPr/>
+        <p:txBody>
+          <a:bodyPr/>
+          <a:lstStyle/>
+          <a:p>
+            <a:endParaRPr lang="LID4096"/>
+          </a:p>
+        </p:txBody>
+      </p:sp>
+    </p:spTree>
+    <p:extLst>
+      <p:ext uri="{BB962C8B-B14F-4D97-AF65-F5344CB8AC3E}">
+        <p14:creationId xmlns:p14="http://schemas.microsoft.com/office/powerpoint/2010/main" val="816646059"/>
+      </p:ext>
+    </p:extLst>
+  </p:cSld>
+  <p:clrMapOvr>
+    <a:masterClrMapping/>
+  </p:clrMapOvr>
+</p:sld>
+</file>
+
+<file path=ppt/slides/slide9.xml><?xml version="1.0" encoding="utf-8"?>
+<p:sld xmlns:a="http://schemas.openxmlformats.org/drawingml/2006/main" xmlns:r="http://schemas.openxmlformats.org/officeDocument/2006/relationships" xmlns:p="http://schemas.openxmlformats.org/presentationml/2006/main">
+  <p:cSld>
+    <p:spTree>
+      <p:nvGrpSpPr>
+        <p:cNvPr id="1" name=""/>
+        <p:cNvGrpSpPr/>
+        <p:nvPr/>
+      </p:nvGrpSpPr>
+      <p:grpSpPr>
+        <a:xfrm>
+          <a:off x="0" y="0"/>
+          <a:ext cx="0" cy="0"/>
+          <a:chOff x="0" y="0"/>
+          <a:chExt cx="0" cy="0"/>
+        </a:xfrm>
+      </p:grpSpPr>
+      <p:sp>
+        <p:nvSpPr>
+          <p:cNvPr id="2" name="Titel 1">
+            <a:extLst>
+              <a:ext uri="{FF2B5EF4-FFF2-40B4-BE49-F238E27FC236}">
+                <a16:creationId xmlns:a16="http://schemas.microsoft.com/office/drawing/2014/main" id="{47008B46-C5DB-4681-A4EF-07B846FD4AB1}"/>
+              </a:ext>
+            </a:extLst>
+          </p:cNvPr>
+          <p:cNvSpPr>
+            <a:spLocks noGrp="1"/>
+          </p:cNvSpPr>
+          <p:nvPr>
+            <p:ph type="title"/>
+          </p:nvPr>
+        </p:nvSpPr>
+        <p:spPr/>
+        <p:txBody>
+          <a:bodyPr/>
+          <a:lstStyle/>
+          <a:p>
+            <a:r>
+              <a:rPr lang="en-GB" dirty="0"/>
+              <a:t>USB</a:t>
+            </a:r>
+            <a:endParaRPr lang="LID4096" dirty="0"/>
+          </a:p>
+        </p:txBody>
+      </p:sp>
+      <p:sp>
+        <p:nvSpPr>
+          <p:cNvPr id="3" name="Pladsholder til indhold 2">
+            <a:extLst>
+              <a:ext uri="{FF2B5EF4-FFF2-40B4-BE49-F238E27FC236}">
+                <a16:creationId xmlns:a16="http://schemas.microsoft.com/office/drawing/2014/main" id="{4C7FFA8D-1CD9-4244-BC3F-FBA3042C9484}"/>
+              </a:ext>
+            </a:extLst>
+          </p:cNvPr>
+          <p:cNvSpPr>
+            <a:spLocks noGrp="1"/>
+          </p:cNvSpPr>
+          <p:nvPr>
+            <p:ph idx="1"/>
+          </p:nvPr>
+        </p:nvSpPr>
+        <p:spPr/>
+        <p:txBody>
+          <a:bodyPr/>
+          <a:lstStyle/>
+          <a:p>
+            <a:endParaRPr lang="LID4096"/>
+          </a:p>
+        </p:txBody>
+      </p:sp>
+    </p:spTree>
+    <p:extLst>
+      <p:ext uri="{BB962C8B-B14F-4D97-AF65-F5344CB8AC3E}">
+        <p14:creationId xmlns:p14="http://schemas.microsoft.com/office/powerpoint/2010/main" val="2517970421"/>
+      </p:ext>
+    </p:extLst>
+  </p:cSld>
+  <p:clrMapOvr>
+    <a:masterClrMapping/>
+  </p:clrMapOvr>
+</p:sld>
+</file>
+
 <file path=ppt/theme/theme1.xml><?xml version="1.0" encoding="utf-8"?>
 <a:theme xmlns:a="http://schemas.openxmlformats.org/drawingml/2006/main" name="Tågespor">
   <a:themeElements>

--- a/STM32 Intro.pptx
+++ b/STM32 Intro.pptx
@@ -290,7 +290,7 @@
           <a:p>
             <a:fld id="{48A87A34-81AB-432B-8DAE-1953F412C126}" type="datetimeFigureOut">
               <a:rPr lang="en-US" dirty="0"/>
-              <a:t>1/29/2021</a:t>
+              <a:t>2/21/2021</a:t>
             </a:fld>
             <a:endParaRPr lang="en-US" dirty="0"/>
           </a:p>
@@ -552,7 +552,7 @@
           <a:p>
             <a:fld id="{48A87A34-81AB-432B-8DAE-1953F412C126}" type="datetimeFigureOut">
               <a:rPr lang="en-US" dirty="0"/>
-              <a:t>1/29/2021</a:t>
+              <a:t>2/21/2021</a:t>
             </a:fld>
             <a:endParaRPr lang="en-US" dirty="0"/>
           </a:p>
@@ -779,7 +779,7 @@
             <a:fld id="{48A87A34-81AB-432B-8DAE-1953F412C126}" type="datetimeFigureOut">
               <a:rPr lang="en-US" dirty="0"/>
               <a:pPr/>
-              <a:t>1/29/2021</a:t>
+              <a:t>2/21/2021</a:t>
             </a:fld>
             <a:endParaRPr lang="en-US" dirty="0"/>
           </a:p>
@@ -1085,7 +1085,7 @@
             <a:fld id="{48A87A34-81AB-432B-8DAE-1953F412C126}" type="datetimeFigureOut">
               <a:rPr lang="en-US" dirty="0"/>
               <a:pPr/>
-              <a:t>1/29/2021</a:t>
+              <a:t>2/21/2021</a:t>
             </a:fld>
             <a:endParaRPr lang="en-US" dirty="0"/>
           </a:p>
@@ -1554,7 +1554,7 @@
             <a:fld id="{48A87A34-81AB-432B-8DAE-1953F412C126}" type="datetimeFigureOut">
               <a:rPr lang="en-US" dirty="0"/>
               <a:pPr/>
-              <a:t>1/29/2021</a:t>
+              <a:t>2/21/2021</a:t>
             </a:fld>
             <a:endParaRPr lang="en-US" dirty="0"/>
           </a:p>
@@ -2096,7 +2096,7 @@
           <a:p>
             <a:fld id="{48A87A34-81AB-432B-8DAE-1953F412C126}" type="datetimeFigureOut">
               <a:rPr lang="en-US" dirty="0"/>
-              <a:t>1/29/2021</a:t>
+              <a:t>2/21/2021</a:t>
             </a:fld>
             <a:endParaRPr lang="en-US" dirty="0"/>
           </a:p>
@@ -2865,7 +2865,7 @@
           <a:p>
             <a:fld id="{48A87A34-81AB-432B-8DAE-1953F412C126}" type="datetimeFigureOut">
               <a:rPr lang="en-US" dirty="0"/>
-              <a:t>1/29/2021</a:t>
+              <a:t>2/21/2021</a:t>
             </a:fld>
             <a:endParaRPr lang="en-US" dirty="0"/>
           </a:p>
@@ -3035,7 +3035,7 @@
           <a:p>
             <a:fld id="{48A87A34-81AB-432B-8DAE-1953F412C126}" type="datetimeFigureOut">
               <a:rPr lang="en-US" dirty="0"/>
-              <a:t>1/29/2021</a:t>
+              <a:t>2/21/2021</a:t>
             </a:fld>
             <a:endParaRPr lang="en-US" dirty="0"/>
           </a:p>
@@ -3254,7 +3254,7 @@
             <a:fld id="{48A87A34-81AB-432B-8DAE-1953F412C126}" type="datetimeFigureOut">
               <a:rPr lang="en-US" dirty="0"/>
               <a:pPr/>
-              <a:t>1/29/2021</a:t>
+              <a:t>2/21/2021</a:t>
             </a:fld>
             <a:endParaRPr lang="en-US" dirty="0"/>
           </a:p>
@@ -3429,7 +3429,7 @@
           <a:p>
             <a:fld id="{48A87A34-81AB-432B-8DAE-1953F412C126}" type="datetimeFigureOut">
               <a:rPr lang="en-US" dirty="0"/>
-              <a:t>1/29/2021</a:t>
+              <a:t>2/21/2021</a:t>
             </a:fld>
             <a:endParaRPr lang="en-US" dirty="0"/>
           </a:p>
@@ -3714,7 +3714,7 @@
             <a:fld id="{48A87A34-81AB-432B-8DAE-1953F412C126}" type="datetimeFigureOut">
               <a:rPr lang="en-US" dirty="0"/>
               <a:pPr/>
-              <a:t>1/29/2021</a:t>
+              <a:t>2/21/2021</a:t>
             </a:fld>
             <a:endParaRPr lang="en-US" dirty="0"/>
           </a:p>
@@ -3951,7 +3951,7 @@
           <a:p>
             <a:fld id="{48A87A34-81AB-432B-8DAE-1953F412C126}" type="datetimeFigureOut">
               <a:rPr lang="en-US" dirty="0"/>
-              <a:t>1/29/2021</a:t>
+              <a:t>2/21/2021</a:t>
             </a:fld>
             <a:endParaRPr lang="en-US" dirty="0"/>
           </a:p>
@@ -4325,7 +4325,7 @@
           <a:p>
             <a:fld id="{48A87A34-81AB-432B-8DAE-1953F412C126}" type="datetimeFigureOut">
               <a:rPr lang="en-US" dirty="0"/>
-              <a:t>1/29/2021</a:t>
+              <a:t>2/21/2021</a:t>
             </a:fld>
             <a:endParaRPr lang="en-US" dirty="0"/>
           </a:p>
@@ -4438,7 +4438,7 @@
           <a:p>
             <a:fld id="{48A87A34-81AB-432B-8DAE-1953F412C126}" type="datetimeFigureOut">
               <a:rPr lang="en-US" dirty="0"/>
-              <a:t>1/29/2021</a:t>
+              <a:t>2/21/2021</a:t>
             </a:fld>
             <a:endParaRPr lang="en-US" dirty="0"/>
           </a:p>
@@ -4528,7 +4528,7 @@
           <a:p>
             <a:fld id="{48A87A34-81AB-432B-8DAE-1953F412C126}" type="datetimeFigureOut">
               <a:rPr lang="en-US" dirty="0"/>
-              <a:t>1/29/2021</a:t>
+              <a:t>2/21/2021</a:t>
             </a:fld>
             <a:endParaRPr lang="en-US" dirty="0"/>
           </a:p>
@@ -4772,7 +4772,7 @@
           <a:p>
             <a:fld id="{48A87A34-81AB-432B-8DAE-1953F412C126}" type="datetimeFigureOut">
               <a:rPr lang="en-US" dirty="0"/>
-              <a:t>1/29/2021</a:t>
+              <a:t>2/21/2021</a:t>
             </a:fld>
             <a:endParaRPr lang="en-US" dirty="0"/>
           </a:p>
@@ -5024,7 +5024,7 @@
           <a:p>
             <a:fld id="{48A87A34-81AB-432B-8DAE-1953F412C126}" type="datetimeFigureOut">
               <a:rPr lang="en-US" dirty="0"/>
-              <a:t>1/29/2021</a:t>
+              <a:t>2/21/2021</a:t>
             </a:fld>
             <a:endParaRPr lang="en-US" dirty="0"/>
           </a:p>
@@ -5263,7 +5263,7 @@
             <a:fld id="{48A87A34-81AB-432B-8DAE-1953F412C126}" type="datetimeFigureOut">
               <a:rPr lang="en-US" dirty="0"/>
               <a:pPr/>
-              <a:t>1/29/2021</a:t>
+              <a:t>2/21/2021</a:t>
             </a:fld>
             <a:endParaRPr lang="en-US" dirty="0"/>
           </a:p>
@@ -6015,6 +6015,36 @@
             </a:r>
           </a:p>
           <a:p>
+            <a:r>
+              <a:rPr lang="en-GB" dirty="0"/>
+              <a:t>UART</a:t>
+            </a:r>
+          </a:p>
+          <a:p>
+            <a:r>
+              <a:rPr lang="en-GB" dirty="0"/>
+              <a:t>SPI</a:t>
+            </a:r>
+          </a:p>
+          <a:p>
+            <a:r>
+              <a:rPr lang="en-GB" dirty="0"/>
+              <a:t>TIMER</a:t>
+            </a:r>
+          </a:p>
+          <a:p>
+            <a:r>
+              <a:rPr lang="en-GB" dirty="0"/>
+              <a:t>ADC</a:t>
+            </a:r>
+          </a:p>
+          <a:p>
+            <a:r>
+              <a:rPr lang="en-GB" dirty="0"/>
+              <a:t>USB</a:t>
+            </a:r>
+          </a:p>
+          <a:p>
             <a:endParaRPr lang="LID4096" dirty="0"/>
           </a:p>
         </p:txBody>
@@ -6202,6 +6232,50 @@
           <a:bodyPr/>
           <a:lstStyle/>
           <a:p>
+            <a:r>
+              <a:rPr lang="en-GB" dirty="0"/>
+              <a:t>Tx data</a:t>
+            </a:r>
+          </a:p>
+          <a:p>
+            <a:r>
+              <a:rPr lang="en-GB" dirty="0"/>
+              <a:t>Interrupt </a:t>
+            </a:r>
+            <a:r>
+              <a:rPr lang="en-GB" dirty="0" err="1"/>
+              <a:t>styret</a:t>
+            </a:r>
+            <a:r>
+              <a:rPr lang="en-GB" dirty="0"/>
+              <a:t> </a:t>
+            </a:r>
+            <a:r>
+              <a:rPr lang="en-GB" dirty="0" err="1"/>
+              <a:t>modtagelse</a:t>
+            </a:r>
+            <a:endParaRPr lang="en-GB" dirty="0"/>
+          </a:p>
+          <a:p>
+            <a:r>
+              <a:rPr lang="en-GB" dirty="0"/>
+              <a:t>DMA </a:t>
+            </a:r>
+            <a:r>
+              <a:rPr lang="en-GB" dirty="0" err="1"/>
+              <a:t>modtagelse</a:t>
+            </a:r>
+            <a:r>
+              <a:rPr lang="en-GB" dirty="0"/>
+              <a:t> af variable </a:t>
+            </a:r>
+            <a:r>
+              <a:rPr lang="en-GB" dirty="0" err="1"/>
+              <a:t>framelength</a:t>
+            </a:r>
+            <a:endParaRPr lang="en-GB" dirty="0"/>
+          </a:p>
+          <a:p>
             <a:endParaRPr lang="LID4096" dirty="0"/>
           </a:p>
         </p:txBody>
@@ -6286,7 +6360,38 @@
           <a:bodyPr/>
           <a:lstStyle/>
           <a:p>
-            <a:endParaRPr lang="LID4096"/>
+            <a:r>
+              <a:rPr lang="en-GB" dirty="0" err="1"/>
+              <a:t>Opsætning</a:t>
+            </a:r>
+            <a:endParaRPr lang="en-GB" dirty="0"/>
+          </a:p>
+          <a:p>
+            <a:r>
+              <a:rPr lang="en-GB" dirty="0" err="1"/>
+              <a:t>Eksemple</a:t>
+            </a:r>
+            <a:r>
+              <a:rPr lang="en-GB" dirty="0"/>
+              <a:t> med driver </a:t>
+            </a:r>
+            <a:r>
+              <a:rPr lang="en-GB" dirty="0" err="1"/>
+              <a:t>til</a:t>
+            </a:r>
+            <a:r>
+              <a:rPr lang="en-GB" dirty="0"/>
+              <a:t> </a:t>
+            </a:r>
+            <a:r>
+              <a:rPr lang="en-GB" dirty="0" err="1"/>
+              <a:t>en</a:t>
+            </a:r>
+            <a:r>
+              <a:rPr lang="en-GB" dirty="0"/>
+              <a:t> IMU</a:t>
+            </a:r>
+            <a:endParaRPr lang="LID4096" dirty="0"/>
           </a:p>
         </p:txBody>
       </p:sp>
@@ -6370,7 +6475,28 @@
           <a:bodyPr/>
           <a:lstStyle/>
           <a:p>
-            <a:endParaRPr lang="LID4096"/>
+            <a:r>
+              <a:rPr lang="en-GB" dirty="0"/>
+              <a:t>General </a:t>
+            </a:r>
+            <a:r>
+              <a:rPr lang="en-GB" dirty="0" err="1"/>
+              <a:t>timertick</a:t>
+            </a:r>
+            <a:endParaRPr lang="en-GB" dirty="0"/>
+          </a:p>
+          <a:p>
+            <a:r>
+              <a:rPr lang="en-GB" dirty="0"/>
+              <a:t>Interrupt</a:t>
+            </a:r>
+          </a:p>
+          <a:p>
+            <a:r>
+              <a:rPr lang="en-GB" dirty="0"/>
+              <a:t>PWM</a:t>
+            </a:r>
+            <a:endParaRPr lang="LID4096" dirty="0"/>
           </a:p>
         </p:txBody>
       </p:sp>
@@ -6454,7 +6580,41 @@
           <a:bodyPr/>
           <a:lstStyle/>
           <a:p>
-            <a:endParaRPr lang="LID4096"/>
+            <a:r>
+              <a:rPr lang="en-GB" dirty="0"/>
+              <a:t>Interrupt for </a:t>
+            </a:r>
+            <a:r>
+              <a:rPr lang="en-GB" dirty="0" err="1"/>
+              <a:t>modtagelse</a:t>
+            </a:r>
+            <a:r>
+              <a:rPr lang="en-GB" dirty="0"/>
+              <a:t> af malinger</a:t>
+            </a:r>
+          </a:p>
+          <a:p>
+            <a:r>
+              <a:rPr lang="en-GB" dirty="0" err="1"/>
+              <a:t>Sekvensiel</a:t>
+            </a:r>
+            <a:r>
+              <a:rPr lang="en-GB" dirty="0"/>
+              <a:t> </a:t>
+            </a:r>
+            <a:r>
+              <a:rPr lang="en-GB" dirty="0" err="1"/>
+              <a:t>samling</a:t>
+            </a:r>
+            <a:r>
+              <a:rPr lang="en-GB" dirty="0"/>
+              <a:t> af </a:t>
+            </a:r>
+            <a:r>
+              <a:rPr lang="en-GB" dirty="0" err="1"/>
+              <a:t>kanaler</a:t>
+            </a:r>
+            <a:endParaRPr lang="LID4096" dirty="0"/>
           </a:p>
         </p:txBody>
       </p:sp>
@@ -6538,6 +6698,14 @@
           <a:bodyPr/>
           <a:lstStyle/>
           <a:p>
+            <a:r>
+              <a:rPr lang="en-GB" dirty="0" err="1"/>
+              <a:t>Virtuel</a:t>
+            </a:r>
+            <a:r>
+              <a:rPr lang="en-GB"/>
+              <a:t> comport</a:t>
+            </a:r>
             <a:endParaRPr lang="LID4096"/>
           </a:p>
         </p:txBody>

--- a/STM32 Intro.pptx
+++ b/STM32 Intro.pptx
@@ -290,7 +290,7 @@
           <a:p>
             <a:fld id="{48A87A34-81AB-432B-8DAE-1953F412C126}" type="datetimeFigureOut">
               <a:rPr lang="en-US" dirty="0"/>
-              <a:t>2/21/2021</a:t>
+              <a:t>3/1/2021</a:t>
             </a:fld>
             <a:endParaRPr lang="en-US" dirty="0"/>
           </a:p>
@@ -552,7 +552,7 @@
           <a:p>
             <a:fld id="{48A87A34-81AB-432B-8DAE-1953F412C126}" type="datetimeFigureOut">
               <a:rPr lang="en-US" dirty="0"/>
-              <a:t>2/21/2021</a:t>
+              <a:t>3/1/2021</a:t>
             </a:fld>
             <a:endParaRPr lang="en-US" dirty="0"/>
           </a:p>
@@ -779,7 +779,7 @@
             <a:fld id="{48A87A34-81AB-432B-8DAE-1953F412C126}" type="datetimeFigureOut">
               <a:rPr lang="en-US" dirty="0"/>
               <a:pPr/>
-              <a:t>2/21/2021</a:t>
+              <a:t>3/1/2021</a:t>
             </a:fld>
             <a:endParaRPr lang="en-US" dirty="0"/>
           </a:p>
@@ -1085,7 +1085,7 @@
             <a:fld id="{48A87A34-81AB-432B-8DAE-1953F412C126}" type="datetimeFigureOut">
               <a:rPr lang="en-US" dirty="0"/>
               <a:pPr/>
-              <a:t>2/21/2021</a:t>
+              <a:t>3/1/2021</a:t>
             </a:fld>
             <a:endParaRPr lang="en-US" dirty="0"/>
           </a:p>
@@ -1554,7 +1554,7 @@
             <a:fld id="{48A87A34-81AB-432B-8DAE-1953F412C126}" type="datetimeFigureOut">
               <a:rPr lang="en-US" dirty="0"/>
               <a:pPr/>
-              <a:t>2/21/2021</a:t>
+              <a:t>3/1/2021</a:t>
             </a:fld>
             <a:endParaRPr lang="en-US" dirty="0"/>
           </a:p>
@@ -2096,7 +2096,7 @@
           <a:p>
             <a:fld id="{48A87A34-81AB-432B-8DAE-1953F412C126}" type="datetimeFigureOut">
               <a:rPr lang="en-US" dirty="0"/>
-              <a:t>2/21/2021</a:t>
+              <a:t>3/1/2021</a:t>
             </a:fld>
             <a:endParaRPr lang="en-US" dirty="0"/>
           </a:p>
@@ -2865,7 +2865,7 @@
           <a:p>
             <a:fld id="{48A87A34-81AB-432B-8DAE-1953F412C126}" type="datetimeFigureOut">
               <a:rPr lang="en-US" dirty="0"/>
-              <a:t>2/21/2021</a:t>
+              <a:t>3/1/2021</a:t>
             </a:fld>
             <a:endParaRPr lang="en-US" dirty="0"/>
           </a:p>
@@ -3035,7 +3035,7 @@
           <a:p>
             <a:fld id="{48A87A34-81AB-432B-8DAE-1953F412C126}" type="datetimeFigureOut">
               <a:rPr lang="en-US" dirty="0"/>
-              <a:t>2/21/2021</a:t>
+              <a:t>3/1/2021</a:t>
             </a:fld>
             <a:endParaRPr lang="en-US" dirty="0"/>
           </a:p>
@@ -3254,7 +3254,7 @@
             <a:fld id="{48A87A34-81AB-432B-8DAE-1953F412C126}" type="datetimeFigureOut">
               <a:rPr lang="en-US" dirty="0"/>
               <a:pPr/>
-              <a:t>2/21/2021</a:t>
+              <a:t>3/1/2021</a:t>
             </a:fld>
             <a:endParaRPr lang="en-US" dirty="0"/>
           </a:p>
@@ -3429,7 +3429,7 @@
           <a:p>
             <a:fld id="{48A87A34-81AB-432B-8DAE-1953F412C126}" type="datetimeFigureOut">
               <a:rPr lang="en-US" dirty="0"/>
-              <a:t>2/21/2021</a:t>
+              <a:t>3/1/2021</a:t>
             </a:fld>
             <a:endParaRPr lang="en-US" dirty="0"/>
           </a:p>
@@ -3714,7 +3714,7 @@
             <a:fld id="{48A87A34-81AB-432B-8DAE-1953F412C126}" type="datetimeFigureOut">
               <a:rPr lang="en-US" dirty="0"/>
               <a:pPr/>
-              <a:t>2/21/2021</a:t>
+              <a:t>3/1/2021</a:t>
             </a:fld>
             <a:endParaRPr lang="en-US" dirty="0"/>
           </a:p>
@@ -3951,7 +3951,7 @@
           <a:p>
             <a:fld id="{48A87A34-81AB-432B-8DAE-1953F412C126}" type="datetimeFigureOut">
               <a:rPr lang="en-US" dirty="0"/>
-              <a:t>2/21/2021</a:t>
+              <a:t>3/1/2021</a:t>
             </a:fld>
             <a:endParaRPr lang="en-US" dirty="0"/>
           </a:p>
@@ -4325,7 +4325,7 @@
           <a:p>
             <a:fld id="{48A87A34-81AB-432B-8DAE-1953F412C126}" type="datetimeFigureOut">
               <a:rPr lang="en-US" dirty="0"/>
-              <a:t>2/21/2021</a:t>
+              <a:t>3/1/2021</a:t>
             </a:fld>
             <a:endParaRPr lang="en-US" dirty="0"/>
           </a:p>
@@ -4438,7 +4438,7 @@
           <a:p>
             <a:fld id="{48A87A34-81AB-432B-8DAE-1953F412C126}" type="datetimeFigureOut">
               <a:rPr lang="en-US" dirty="0"/>
-              <a:t>2/21/2021</a:t>
+              <a:t>3/1/2021</a:t>
             </a:fld>
             <a:endParaRPr lang="en-US" dirty="0"/>
           </a:p>
@@ -4528,7 +4528,7 @@
           <a:p>
             <a:fld id="{48A87A34-81AB-432B-8DAE-1953F412C126}" type="datetimeFigureOut">
               <a:rPr lang="en-US" dirty="0"/>
-              <a:t>2/21/2021</a:t>
+              <a:t>3/1/2021</a:t>
             </a:fld>
             <a:endParaRPr lang="en-US" dirty="0"/>
           </a:p>
@@ -4772,7 +4772,7 @@
           <a:p>
             <a:fld id="{48A87A34-81AB-432B-8DAE-1953F412C126}" type="datetimeFigureOut">
               <a:rPr lang="en-US" dirty="0"/>
-              <a:t>2/21/2021</a:t>
+              <a:t>3/1/2021</a:t>
             </a:fld>
             <a:endParaRPr lang="en-US" dirty="0"/>
           </a:p>
@@ -5024,7 +5024,7 @@
           <a:p>
             <a:fld id="{48A87A34-81AB-432B-8DAE-1953F412C126}" type="datetimeFigureOut">
               <a:rPr lang="en-US" dirty="0"/>
-              <a:t>2/21/2021</a:t>
+              <a:t>3/1/2021</a:t>
             </a:fld>
             <a:endParaRPr lang="en-US" dirty="0"/>
           </a:p>
@@ -5263,7 +5263,7 @@
             <a:fld id="{48A87A34-81AB-432B-8DAE-1953F412C126}" type="datetimeFigureOut">
               <a:rPr lang="en-US" dirty="0"/>
               <a:pPr/>
-              <a:t>2/21/2021</a:t>
+              <a:t>3/1/2021</a:t>
             </a:fld>
             <a:endParaRPr lang="en-US" dirty="0"/>
           </a:p>
@@ -6373,15 +6373,7 @@
             </a:r>
             <a:r>
               <a:rPr lang="en-GB" dirty="0"/>
-              <a:t> med driver </a:t>
-            </a:r>
-            <a:r>
-              <a:rPr lang="en-GB" dirty="0" err="1"/>
-              <a:t>til</a:t>
-            </a:r>
-            <a:r>
-              <a:rPr lang="en-GB" dirty="0"/>
-              <a:t> </a:t>
+              <a:t> med </a:t>
             </a:r>
             <a:r>
               <a:rPr lang="en-GB" dirty="0" err="1"/>
@@ -6389,7 +6381,7 @@
             </a:r>
             <a:r>
               <a:rPr lang="en-GB" dirty="0"/>
-              <a:t> IMU</a:t>
+              <a:t> temperature sensor </a:t>
             </a:r>
             <a:endParaRPr lang="LID4096" dirty="0"/>
           </a:p>
